--- a/15_-_Arquitetura_de_Negocio_para_cada_Cenario(1).pptx
+++ b/15_-_Arquitetura_de_Negocio_para_cada_Cenario(1).pptx
@@ -3103,7 +3103,7 @@
             </a:pPr>
             <a:r>
               <a:rPr lang="pt-BR" altLang="en-US" dirty="0"/>
-              <a:t>3. Cancelar Compra</a:t>
+              <a:t>3. Obter Cancelamento</a:t>
             </a:r>
           </a:p>
           <a:p>
